--- a/trunk/Report/Architecture Data Bibliography Science Articles/Architecture Data Bibliography Science Articles.pptx
+++ b/trunk/Report/Architecture Data Bibliography Science Articles/Architecture Data Bibliography Science Articles.pptx
@@ -192,7 +192,8 @@
           <a:p>
             <a:fld id="{F63FD2B4-2956-4F54-868B-DDF4289EA4A7}" type="datetimeFigureOut">
               <a:rPr lang="en-US" smtClean="0"/>
-              <a:t>9/26/2010</a:t>
+              <a:pPr/>
+              <a:t>9/27/2010</a:t>
             </a:fld>
             <a:endParaRPr lang="en-US"/>
           </a:p>
@@ -353,6 +354,7 @@
           <a:p>
             <a:fld id="{1AE67C64-F1EB-4882-BE3D-8CF054CFD4DA}" type="slidenum">
               <a:rPr lang="en-US" smtClean="0"/>
+              <a:pPr/>
               <a:t>‹#›</a:t>
             </a:fld>
             <a:endParaRPr lang="en-US"/>
@@ -639,7 +641,7 @@
             <a:fld id="{1D8BD707-D9CF-40AE-B4C6-C98DA3205C09}" type="datetimeFigureOut">
               <a:rPr lang="en-US" smtClean="0"/>
               <a:pPr/>
-              <a:t>9/26/2010</a:t>
+              <a:t>9/27/2010</a:t>
             </a:fld>
             <a:endParaRPr lang="en-US"/>
           </a:p>
@@ -806,7 +808,7 @@
             <a:fld id="{1D8BD707-D9CF-40AE-B4C6-C98DA3205C09}" type="datetimeFigureOut">
               <a:rPr lang="en-US" smtClean="0"/>
               <a:pPr/>
-              <a:t>9/26/2010</a:t>
+              <a:t>9/27/2010</a:t>
             </a:fld>
             <a:endParaRPr lang="en-US"/>
           </a:p>
@@ -983,7 +985,7 @@
             <a:fld id="{1D8BD707-D9CF-40AE-B4C6-C98DA3205C09}" type="datetimeFigureOut">
               <a:rPr lang="en-US" smtClean="0"/>
               <a:pPr/>
-              <a:t>9/26/2010</a:t>
+              <a:t>9/27/2010</a:t>
             </a:fld>
             <a:endParaRPr lang="en-US"/>
           </a:p>
@@ -1150,7 +1152,7 @@
             <a:fld id="{1D8BD707-D9CF-40AE-B4C6-C98DA3205C09}" type="datetimeFigureOut">
               <a:rPr lang="en-US" smtClean="0"/>
               <a:pPr/>
-              <a:t>9/26/2010</a:t>
+              <a:t>9/27/2010</a:t>
             </a:fld>
             <a:endParaRPr lang="en-US"/>
           </a:p>
@@ -1393,7 +1395,7 @@
             <a:fld id="{1D8BD707-D9CF-40AE-B4C6-C98DA3205C09}" type="datetimeFigureOut">
               <a:rPr lang="en-US" smtClean="0"/>
               <a:pPr/>
-              <a:t>9/26/2010</a:t>
+              <a:t>9/27/2010</a:t>
             </a:fld>
             <a:endParaRPr lang="en-US"/>
           </a:p>
@@ -1678,7 +1680,7 @@
             <a:fld id="{1D8BD707-D9CF-40AE-B4C6-C98DA3205C09}" type="datetimeFigureOut">
               <a:rPr lang="en-US" smtClean="0"/>
               <a:pPr/>
-              <a:t>9/26/2010</a:t>
+              <a:t>9/27/2010</a:t>
             </a:fld>
             <a:endParaRPr lang="en-US"/>
           </a:p>
@@ -2097,7 +2099,7 @@
             <a:fld id="{1D8BD707-D9CF-40AE-B4C6-C98DA3205C09}" type="datetimeFigureOut">
               <a:rPr lang="en-US" smtClean="0"/>
               <a:pPr/>
-              <a:t>9/26/2010</a:t>
+              <a:t>9/27/2010</a:t>
             </a:fld>
             <a:endParaRPr lang="en-US"/>
           </a:p>
@@ -2212,7 +2214,7 @@
             <a:fld id="{1D8BD707-D9CF-40AE-B4C6-C98DA3205C09}" type="datetimeFigureOut">
               <a:rPr lang="en-US" smtClean="0"/>
               <a:pPr/>
-              <a:t>9/26/2010</a:t>
+              <a:t>9/27/2010</a:t>
             </a:fld>
             <a:endParaRPr lang="en-US"/>
           </a:p>
@@ -2304,7 +2306,7 @@
             <a:fld id="{1D8BD707-D9CF-40AE-B4C6-C98DA3205C09}" type="datetimeFigureOut">
               <a:rPr lang="en-US" smtClean="0"/>
               <a:pPr/>
-              <a:t>9/26/2010</a:t>
+              <a:t>9/27/2010</a:t>
             </a:fld>
             <a:endParaRPr lang="en-US"/>
           </a:p>
@@ -2578,7 +2580,7 @@
             <a:fld id="{1D8BD707-D9CF-40AE-B4C6-C98DA3205C09}" type="datetimeFigureOut">
               <a:rPr lang="en-US" smtClean="0"/>
               <a:pPr/>
-              <a:t>9/26/2010</a:t>
+              <a:t>9/27/2010</a:t>
             </a:fld>
             <a:endParaRPr lang="en-US"/>
           </a:p>
@@ -2828,7 +2830,7 @@
             <a:fld id="{1D8BD707-D9CF-40AE-B4C6-C98DA3205C09}" type="datetimeFigureOut">
               <a:rPr lang="en-US" smtClean="0"/>
               <a:pPr/>
-              <a:t>9/26/2010</a:t>
+              <a:t>9/27/2010</a:t>
             </a:fld>
             <a:endParaRPr lang="en-US"/>
           </a:p>
@@ -3038,7 +3040,7 @@
             <a:fld id="{1D8BD707-D9CF-40AE-B4C6-C98DA3205C09}" type="datetimeFigureOut">
               <a:rPr lang="en-US" smtClean="0"/>
               <a:pPr/>
-              <a:t>9/26/2010</a:t>
+              <a:t>9/27/2010</a:t>
             </a:fld>
             <a:endParaRPr lang="en-US"/>
           </a:p>
@@ -3699,6 +3701,7 @@
           </a:bodyPr>
           <a:lstStyle/>
           <a:p>
+            <a:pPr algn="ctr"/>
             <a:r>
               <a:rPr lang="en-US" b="1" dirty="0" smtClean="0">
                 <a:latin typeface="Times New Roman" pitchFamily="18" charset="0"/>
@@ -3849,7 +3852,7 @@
                 <a:latin typeface="Times New Roman" pitchFamily="18" charset="0"/>
                 <a:cs typeface="Times New Roman" pitchFamily="18" charset="0"/>
               </a:rPr>
-              <a:t>Harvest</a:t>
+              <a:t>Fetcher</a:t>
             </a:r>
             <a:endParaRPr lang="en-US" sz="1600" dirty="0">
               <a:solidFill>
@@ -3981,7 +3984,7 @@
         </p:nvSpPr>
         <p:spPr>
           <a:xfrm>
-            <a:off x="5029200" y="3657600"/>
+            <a:off x="4953000" y="3657600"/>
             <a:ext cx="1447800" cy="533400"/>
           </a:xfrm>
           <a:prstGeom prst="roundRect">
@@ -4037,7 +4040,7 @@
         </p:nvSpPr>
         <p:spPr>
           <a:xfrm>
-            <a:off x="6781800" y="3657600"/>
+            <a:off x="6705600" y="3657600"/>
             <a:ext cx="914400" cy="533400"/>
           </a:xfrm>
           <a:prstGeom prst="roundRect">
@@ -4073,7 +4076,7 @@
                 <a:latin typeface="Times New Roman" pitchFamily="18" charset="0"/>
                 <a:cs typeface="Times New Roman" pitchFamily="18" charset="0"/>
               </a:rPr>
-              <a:t>Harvest</a:t>
+              <a:t>Fetcher</a:t>
             </a:r>
             <a:endParaRPr lang="en-US" sz="1600" dirty="0">
               <a:solidFill>
@@ -4201,7 +4204,7 @@
         </p:nvSpPr>
         <p:spPr>
           <a:xfrm>
-            <a:off x="5486400" y="2514600"/>
+            <a:off x="5562600" y="2514600"/>
             <a:ext cx="304800" cy="1143000"/>
           </a:xfrm>
           <a:prstGeom prst="downArrow">
@@ -4315,8 +4318,8 @@
         </p:nvSpPr>
         <p:spPr>
           <a:xfrm>
-            <a:off x="2819400" y="2057400"/>
-            <a:ext cx="1447800" cy="533400"/>
+            <a:off x="2590800" y="1981200"/>
+            <a:ext cx="1676400" cy="533400"/>
           </a:xfrm>
           <a:prstGeom prst="roundRect">
             <a:avLst/>
@@ -4351,7 +4354,17 @@
                 <a:latin typeface="Times New Roman" pitchFamily="18" charset="0"/>
                 <a:cs typeface="Times New Roman" pitchFamily="18" charset="0"/>
               </a:rPr>
-              <a:t>Query</a:t>
+              <a:t>Database m</a:t>
+            </a:r>
+            <a:r>
+              <a:rPr lang="en-US" sz="1500" dirty="0" smtClean="0">
+                <a:solidFill>
+                  <a:schemeClr val="tx1"/>
+                </a:solidFill>
+                <a:latin typeface="Times New Roman" pitchFamily="18" charset="0"/>
+                <a:cs typeface="Times New Roman" pitchFamily="18" charset="0"/>
+              </a:rPr>
+              <a:t>anager</a:t>
             </a:r>
             <a:endParaRPr lang="en-US" sz="1500" dirty="0">
               <a:solidFill>
@@ -4485,8 +4498,8 @@
         </p:nvSpPr>
         <p:spPr>
           <a:xfrm>
-            <a:off x="2743200" y="3657600"/>
-            <a:ext cx="1447800" cy="533400"/>
+            <a:off x="2590800" y="3657600"/>
+            <a:ext cx="1676400" cy="533400"/>
           </a:xfrm>
           <a:prstGeom prst="roundRect">
             <a:avLst/>
@@ -4521,7 +4534,7 @@
                 <a:latin typeface="Times New Roman" pitchFamily="18" charset="0"/>
                 <a:cs typeface="Times New Roman" pitchFamily="18" charset="0"/>
               </a:rPr>
-              <a:t>Query</a:t>
+              <a:t>Database manager</a:t>
             </a:r>
             <a:endParaRPr lang="en-US" sz="1500" dirty="0">
               <a:solidFill>
@@ -4541,8 +4554,8 @@
         </p:nvSpPr>
         <p:spPr>
           <a:xfrm>
-            <a:off x="3276600" y="2590800"/>
-            <a:ext cx="304800" cy="1066800"/>
+            <a:off x="3276600" y="2514600"/>
+            <a:ext cx="304800" cy="1143000"/>
           </a:xfrm>
           <a:prstGeom prst="downArrow">
             <a:avLst/>

--- a/trunk/Report/Architecture Data Bibliography Science Articles/Architecture Data Bibliography Science Articles.pptx
+++ b/trunk/Report/Architecture Data Bibliography Science Articles/Architecture Data Bibliography Science Articles.pptx
@@ -4318,8 +4318,8 @@
         </p:nvSpPr>
         <p:spPr>
           <a:xfrm>
-            <a:off x="2590800" y="1981200"/>
-            <a:ext cx="1676400" cy="533400"/>
+            <a:off x="2590800" y="1905000"/>
+            <a:ext cx="1676400" cy="609600"/>
           </a:xfrm>
           <a:prstGeom prst="roundRect">
             <a:avLst/>
@@ -4364,7 +4364,7 @@
                 <a:latin typeface="Times New Roman" pitchFamily="18" charset="0"/>
                 <a:cs typeface="Times New Roman" pitchFamily="18" charset="0"/>
               </a:rPr>
-              <a:t>anager</a:t>
+              <a:t>anagement</a:t>
             </a:r>
             <a:endParaRPr lang="en-US" sz="1500" dirty="0">
               <a:solidFill>
@@ -4492,62 +4492,6 @@
       </p:sp>
       <p:sp>
         <p:nvSpPr>
-          <p:cNvPr id="75" name="Rounded Rectangle 74"/>
-          <p:cNvSpPr/>
-          <p:nvPr/>
-        </p:nvSpPr>
-        <p:spPr>
-          <a:xfrm>
-            <a:off x="2590800" y="3657600"/>
-            <a:ext cx="1676400" cy="533400"/>
-          </a:xfrm>
-          <a:prstGeom prst="roundRect">
-            <a:avLst/>
-          </a:prstGeom>
-        </p:spPr>
-        <p:style>
-          <a:lnRef idx="2">
-            <a:schemeClr val="accent1">
-              <a:shade val="50000"/>
-            </a:schemeClr>
-          </a:lnRef>
-          <a:fillRef idx="1">
-            <a:schemeClr val="accent1"/>
-          </a:fillRef>
-          <a:effectRef idx="0">
-            <a:schemeClr val="accent1"/>
-          </a:effectRef>
-          <a:fontRef idx="minor">
-            <a:schemeClr val="lt1"/>
-          </a:fontRef>
-        </p:style>
-        <p:txBody>
-          <a:bodyPr rtlCol="0" anchor="ctr"/>
-          <a:lstStyle/>
-          <a:p>
-            <a:pPr algn="ctr"/>
-            <a:r>
-              <a:rPr lang="en-US" sz="1500" dirty="0" smtClean="0">
-                <a:solidFill>
-                  <a:schemeClr val="tx1"/>
-                </a:solidFill>
-                <a:latin typeface="Times New Roman" pitchFamily="18" charset="0"/>
-                <a:cs typeface="Times New Roman" pitchFamily="18" charset="0"/>
-              </a:rPr>
-              <a:t>Database manager</a:t>
-            </a:r>
-            <a:endParaRPr lang="en-US" sz="1500" dirty="0">
-              <a:solidFill>
-                <a:schemeClr val="tx1"/>
-              </a:solidFill>
-              <a:latin typeface="Times New Roman" pitchFamily="18" charset="0"/>
-              <a:cs typeface="Times New Roman" pitchFamily="18" charset="0"/>
-            </a:endParaRPr>
-          </a:p>
-        </p:txBody>
-      </p:sp>
-      <p:sp>
-        <p:nvSpPr>
           <p:cNvPr id="76" name="Down Arrow 75"/>
           <p:cNvSpPr/>
           <p:nvPr/>
@@ -4653,6 +4597,72 @@
           <a:p>
             <a:pPr algn="ctr"/>
             <a:endParaRPr lang="en-US">
+              <a:solidFill>
+                <a:schemeClr val="tx1"/>
+              </a:solidFill>
+              <a:latin typeface="Times New Roman" pitchFamily="18" charset="0"/>
+              <a:cs typeface="Times New Roman" pitchFamily="18" charset="0"/>
+            </a:endParaRPr>
+          </a:p>
+        </p:txBody>
+      </p:sp>
+      <p:sp>
+        <p:nvSpPr>
+          <p:cNvPr id="26" name="Rounded Rectangle 25"/>
+          <p:cNvSpPr/>
+          <p:nvPr/>
+        </p:nvSpPr>
+        <p:spPr>
+          <a:xfrm>
+            <a:off x="2590800" y="3657600"/>
+            <a:ext cx="1676400" cy="609600"/>
+          </a:xfrm>
+          <a:prstGeom prst="roundRect">
+            <a:avLst/>
+          </a:prstGeom>
+        </p:spPr>
+        <p:style>
+          <a:lnRef idx="2">
+            <a:schemeClr val="accent1">
+              <a:shade val="50000"/>
+            </a:schemeClr>
+          </a:lnRef>
+          <a:fillRef idx="1">
+            <a:schemeClr val="accent1"/>
+          </a:fillRef>
+          <a:effectRef idx="0">
+            <a:schemeClr val="accent1"/>
+          </a:effectRef>
+          <a:fontRef idx="minor">
+            <a:schemeClr val="lt1"/>
+          </a:fontRef>
+        </p:style>
+        <p:txBody>
+          <a:bodyPr rtlCol="0" anchor="ctr"/>
+          <a:lstStyle/>
+          <a:p>
+            <a:pPr algn="ctr"/>
+            <a:r>
+              <a:rPr lang="en-US" sz="1500" dirty="0" smtClean="0">
+                <a:solidFill>
+                  <a:schemeClr val="tx1"/>
+                </a:solidFill>
+                <a:latin typeface="Times New Roman" pitchFamily="18" charset="0"/>
+                <a:cs typeface="Times New Roman" pitchFamily="18" charset="0"/>
+              </a:rPr>
+              <a:t>Database m</a:t>
+            </a:r>
+            <a:r>
+              <a:rPr lang="en-US" sz="1500" dirty="0" smtClean="0">
+                <a:solidFill>
+                  <a:schemeClr val="tx1"/>
+                </a:solidFill>
+                <a:latin typeface="Times New Roman" pitchFamily="18" charset="0"/>
+                <a:cs typeface="Times New Roman" pitchFamily="18" charset="0"/>
+              </a:rPr>
+              <a:t>anagement</a:t>
+            </a:r>
+            <a:endParaRPr lang="en-US" sz="1500" dirty="0">
               <a:solidFill>
                 <a:schemeClr val="tx1"/>
               </a:solidFill>

--- a/trunk/Report/Architecture Data Bibliography Science Articles/Architecture Data Bibliography Science Articles.pptx
+++ b/trunk/Report/Architecture Data Bibliography Science Articles/Architecture Data Bibliography Science Articles.pptx
@@ -5,10 +5,11 @@
     <p:sldMasterId id="2147483648" r:id="rId1"/>
   </p:sldMasterIdLst>
   <p:notesMasterIdLst>
-    <p:notesMasterId r:id="rId3"/>
+    <p:notesMasterId r:id="rId4"/>
   </p:notesMasterIdLst>
   <p:sldIdLst>
     <p:sldId id="257" r:id="rId2"/>
+    <p:sldId id="258" r:id="rId3"/>
   </p:sldIdLst>
   <p:sldSz cx="9144000" cy="6858000" type="screen4x3"/>
   <p:notesSz cx="6858000" cy="9144000"/>
@@ -193,7 +194,7 @@
             <a:fld id="{F63FD2B4-2956-4F54-868B-DDF4289EA4A7}" type="datetimeFigureOut">
               <a:rPr lang="en-US" smtClean="0"/>
               <a:pPr/>
-              <a:t>9/27/2010</a:t>
+              <a:t>3/13/2011</a:t>
             </a:fld>
             <a:endParaRPr lang="en-US"/>
           </a:p>
@@ -641,7 +642,7 @@
             <a:fld id="{1D8BD707-D9CF-40AE-B4C6-C98DA3205C09}" type="datetimeFigureOut">
               <a:rPr lang="en-US" smtClean="0"/>
               <a:pPr/>
-              <a:t>9/27/2010</a:t>
+              <a:t>3/13/2011</a:t>
             </a:fld>
             <a:endParaRPr lang="en-US"/>
           </a:p>
@@ -808,7 +809,7 @@
             <a:fld id="{1D8BD707-D9CF-40AE-B4C6-C98DA3205C09}" type="datetimeFigureOut">
               <a:rPr lang="en-US" smtClean="0"/>
               <a:pPr/>
-              <a:t>9/27/2010</a:t>
+              <a:t>3/13/2011</a:t>
             </a:fld>
             <a:endParaRPr lang="en-US"/>
           </a:p>
@@ -985,7 +986,7 @@
             <a:fld id="{1D8BD707-D9CF-40AE-B4C6-C98DA3205C09}" type="datetimeFigureOut">
               <a:rPr lang="en-US" smtClean="0"/>
               <a:pPr/>
-              <a:t>9/27/2010</a:t>
+              <a:t>3/13/2011</a:t>
             </a:fld>
             <a:endParaRPr lang="en-US"/>
           </a:p>
@@ -1152,7 +1153,7 @@
             <a:fld id="{1D8BD707-D9CF-40AE-B4C6-C98DA3205C09}" type="datetimeFigureOut">
               <a:rPr lang="en-US" smtClean="0"/>
               <a:pPr/>
-              <a:t>9/27/2010</a:t>
+              <a:t>3/13/2011</a:t>
             </a:fld>
             <a:endParaRPr lang="en-US"/>
           </a:p>
@@ -1395,7 +1396,7 @@
             <a:fld id="{1D8BD707-D9CF-40AE-B4C6-C98DA3205C09}" type="datetimeFigureOut">
               <a:rPr lang="en-US" smtClean="0"/>
               <a:pPr/>
-              <a:t>9/27/2010</a:t>
+              <a:t>3/13/2011</a:t>
             </a:fld>
             <a:endParaRPr lang="en-US"/>
           </a:p>
@@ -1680,7 +1681,7 @@
             <a:fld id="{1D8BD707-D9CF-40AE-B4C6-C98DA3205C09}" type="datetimeFigureOut">
               <a:rPr lang="en-US" smtClean="0"/>
               <a:pPr/>
-              <a:t>9/27/2010</a:t>
+              <a:t>3/13/2011</a:t>
             </a:fld>
             <a:endParaRPr lang="en-US"/>
           </a:p>
@@ -2099,7 +2100,7 @@
             <a:fld id="{1D8BD707-D9CF-40AE-B4C6-C98DA3205C09}" type="datetimeFigureOut">
               <a:rPr lang="en-US" smtClean="0"/>
               <a:pPr/>
-              <a:t>9/27/2010</a:t>
+              <a:t>3/13/2011</a:t>
             </a:fld>
             <a:endParaRPr lang="en-US"/>
           </a:p>
@@ -2214,7 +2215,7 @@
             <a:fld id="{1D8BD707-D9CF-40AE-B4C6-C98DA3205C09}" type="datetimeFigureOut">
               <a:rPr lang="en-US" smtClean="0"/>
               <a:pPr/>
-              <a:t>9/27/2010</a:t>
+              <a:t>3/13/2011</a:t>
             </a:fld>
             <a:endParaRPr lang="en-US"/>
           </a:p>
@@ -2306,7 +2307,7 @@
             <a:fld id="{1D8BD707-D9CF-40AE-B4C6-C98DA3205C09}" type="datetimeFigureOut">
               <a:rPr lang="en-US" smtClean="0"/>
               <a:pPr/>
-              <a:t>9/27/2010</a:t>
+              <a:t>3/13/2011</a:t>
             </a:fld>
             <a:endParaRPr lang="en-US"/>
           </a:p>
@@ -2580,7 +2581,7 @@
             <a:fld id="{1D8BD707-D9CF-40AE-B4C6-C98DA3205C09}" type="datetimeFigureOut">
               <a:rPr lang="en-US" smtClean="0"/>
               <a:pPr/>
-              <a:t>9/27/2010</a:t>
+              <a:t>3/13/2011</a:t>
             </a:fld>
             <a:endParaRPr lang="en-US"/>
           </a:p>
@@ -2830,7 +2831,7 @@
             <a:fld id="{1D8BD707-D9CF-40AE-B4C6-C98DA3205C09}" type="datetimeFigureOut">
               <a:rPr lang="en-US" smtClean="0"/>
               <a:pPr/>
-              <a:t>9/27/2010</a:t>
+              <a:t>3/13/2011</a:t>
             </a:fld>
             <a:endParaRPr lang="en-US"/>
           </a:p>
@@ -3040,7 +3041,7 @@
             <a:fld id="{1D8BD707-D9CF-40AE-B4C6-C98DA3205C09}" type="datetimeFigureOut">
               <a:rPr lang="en-US" smtClean="0"/>
               <a:pPr/>
-              <a:t>9/27/2010</a:t>
+              <a:t>3/13/2011</a:t>
             </a:fld>
             <a:endParaRPr lang="en-US"/>
           </a:p>
@@ -3419,30 +3420,25 @@
         </p:nvSpPr>
         <p:spPr>
           <a:xfrm>
-            <a:off x="381000" y="228600"/>
-            <a:ext cx="8610600" cy="914400"/>
+            <a:off x="3048000" y="381000"/>
+            <a:ext cx="3048000" cy="685800"/>
           </a:xfrm>
           <a:prstGeom prst="rect">
             <a:avLst/>
           </a:prstGeom>
-          <a:solidFill>
-            <a:srgbClr val="A3BE4E"/>
-          </a:solidFill>
         </p:spPr>
         <p:style>
-          <a:lnRef idx="2">
-            <a:schemeClr val="accent1">
-              <a:shade val="50000"/>
-            </a:schemeClr>
+          <a:lnRef idx="1">
+            <a:schemeClr val="accent2"/>
           </a:lnRef>
-          <a:fillRef idx="1">
-            <a:schemeClr val="accent1"/>
+          <a:fillRef idx="2">
+            <a:schemeClr val="accent2"/>
           </a:fillRef>
-          <a:effectRef idx="0">
-            <a:schemeClr val="accent1"/>
+          <a:effectRef idx="1">
+            <a:schemeClr val="accent2"/>
           </a:effectRef>
           <a:fontRef idx="minor">
-            <a:schemeClr val="lt1"/>
+            <a:schemeClr val="dk1"/>
           </a:fontRef>
         </p:style>
         <p:txBody>
@@ -3462,160 +3458,13 @@
       </p:sp>
       <p:sp>
         <p:nvSpPr>
-          <p:cNvPr id="5" name="Rectangle 4"/>
-          <p:cNvSpPr/>
-          <p:nvPr/>
-        </p:nvSpPr>
-        <p:spPr>
-          <a:xfrm>
-            <a:off x="381000" y="1447800"/>
-            <a:ext cx="8610600" cy="1447800"/>
-          </a:xfrm>
-          <a:prstGeom prst="rect">
-            <a:avLst/>
-          </a:prstGeom>
-          <a:solidFill>
-            <a:srgbClr val="A3BE4E"/>
-          </a:solidFill>
-        </p:spPr>
-        <p:style>
-          <a:lnRef idx="2">
-            <a:schemeClr val="accent1">
-              <a:shade val="50000"/>
-            </a:schemeClr>
-          </a:lnRef>
-          <a:fillRef idx="1">
-            <a:schemeClr val="accent1"/>
-          </a:fillRef>
-          <a:effectRef idx="0">
-            <a:schemeClr val="accent1"/>
-          </a:effectRef>
-          <a:fontRef idx="minor">
-            <a:schemeClr val="lt1"/>
-          </a:fontRef>
-        </p:style>
-        <p:txBody>
-          <a:bodyPr rtlCol="0" anchor="ctr"/>
-          <a:lstStyle/>
-          <a:p>
-            <a:pPr algn="ctr"/>
-            <a:endParaRPr lang="en-US">
-              <a:solidFill>
-                <a:schemeClr val="tx1"/>
-              </a:solidFill>
-              <a:latin typeface="Times New Roman" pitchFamily="18" charset="0"/>
-              <a:cs typeface="Times New Roman" pitchFamily="18" charset="0"/>
-            </a:endParaRPr>
-          </a:p>
-        </p:txBody>
-      </p:sp>
-      <p:sp>
-        <p:nvSpPr>
-          <p:cNvPr id="6" name="Rectangle 5"/>
-          <p:cNvSpPr/>
-          <p:nvPr/>
-        </p:nvSpPr>
-        <p:spPr>
-          <a:xfrm>
-            <a:off x="381000" y="3276600"/>
-            <a:ext cx="8610600" cy="1447800"/>
-          </a:xfrm>
-          <a:prstGeom prst="rect">
-            <a:avLst/>
-          </a:prstGeom>
-          <a:solidFill>
-            <a:srgbClr val="A3BE4E"/>
-          </a:solidFill>
-        </p:spPr>
-        <p:style>
-          <a:lnRef idx="2">
-            <a:schemeClr val="accent1">
-              <a:shade val="50000"/>
-            </a:schemeClr>
-          </a:lnRef>
-          <a:fillRef idx="1">
-            <a:schemeClr val="accent1"/>
-          </a:fillRef>
-          <a:effectRef idx="0">
-            <a:schemeClr val="accent1"/>
-          </a:effectRef>
-          <a:fontRef idx="minor">
-            <a:schemeClr val="lt1"/>
-          </a:fontRef>
-        </p:style>
-        <p:txBody>
-          <a:bodyPr rtlCol="0" anchor="ctr"/>
-          <a:lstStyle/>
-          <a:p>
-            <a:pPr algn="ctr"/>
-            <a:endParaRPr lang="en-US">
-              <a:solidFill>
-                <a:schemeClr val="tx1"/>
-              </a:solidFill>
-              <a:latin typeface="Times New Roman" pitchFamily="18" charset="0"/>
-              <a:cs typeface="Times New Roman" pitchFamily="18" charset="0"/>
-            </a:endParaRPr>
-          </a:p>
-        </p:txBody>
-      </p:sp>
-      <p:sp>
-        <p:nvSpPr>
-          <p:cNvPr id="8" name="Rectangle 7"/>
-          <p:cNvSpPr/>
-          <p:nvPr/>
-        </p:nvSpPr>
-        <p:spPr>
-          <a:xfrm>
-            <a:off x="381000" y="5105400"/>
-            <a:ext cx="8610600" cy="1295400"/>
-          </a:xfrm>
-          <a:prstGeom prst="rect">
-            <a:avLst/>
-          </a:prstGeom>
-          <a:solidFill>
-            <a:srgbClr val="A3BE4E"/>
-          </a:solidFill>
-        </p:spPr>
-        <p:style>
-          <a:lnRef idx="2">
-            <a:schemeClr val="accent1">
-              <a:shade val="50000"/>
-            </a:schemeClr>
-          </a:lnRef>
-          <a:fillRef idx="1">
-            <a:schemeClr val="accent1"/>
-          </a:fillRef>
-          <a:effectRef idx="0">
-            <a:schemeClr val="accent1"/>
-          </a:effectRef>
-          <a:fontRef idx="minor">
-            <a:schemeClr val="lt1"/>
-          </a:fontRef>
-        </p:style>
-        <p:txBody>
-          <a:bodyPr rtlCol="0" anchor="ctr"/>
-          <a:lstStyle/>
-          <a:p>
-            <a:pPr algn="ctr"/>
-            <a:endParaRPr lang="en-US">
-              <a:solidFill>
-                <a:schemeClr val="tx1"/>
-              </a:solidFill>
-              <a:latin typeface="Times New Roman" pitchFamily="18" charset="0"/>
-              <a:cs typeface="Times New Roman" pitchFamily="18" charset="0"/>
-            </a:endParaRPr>
-          </a:p>
-        </p:txBody>
-      </p:sp>
-      <p:sp>
-        <p:nvSpPr>
           <p:cNvPr id="9" name="TextBox 8"/>
           <p:cNvSpPr txBox="1"/>
           <p:nvPr/>
         </p:nvSpPr>
         <p:spPr>
           <a:xfrm>
-            <a:off x="4267200" y="304800"/>
+            <a:off x="3962400" y="457200"/>
             <a:ext cx="1295400" cy="369332"/>
           </a:xfrm>
           <a:prstGeom prst="rect">
@@ -3634,7 +3483,7 @@
                 <a:latin typeface="Times New Roman" pitchFamily="18" charset="0"/>
                 <a:cs typeface="Times New Roman" pitchFamily="18" charset="0"/>
               </a:rPr>
-              <a:t>GUI</a:t>
+              <a:t>GUI Layer </a:t>
             </a:r>
             <a:endParaRPr lang="en-US" b="1" dirty="0">
               <a:latin typeface="Times New Roman" pitchFamily="18" charset="0"/>
@@ -3645,458 +3494,13 @@
       </p:sp>
       <p:sp>
         <p:nvSpPr>
-          <p:cNvPr id="10" name="TextBox 9"/>
-          <p:cNvSpPr txBox="1"/>
-          <p:nvPr/>
-        </p:nvSpPr>
-        <p:spPr>
-          <a:xfrm>
-            <a:off x="4191000" y="1524000"/>
-            <a:ext cx="1295400" cy="369332"/>
-          </a:xfrm>
-          <a:prstGeom prst="rect">
-            <a:avLst/>
-          </a:prstGeom>
-          <a:noFill/>
-        </p:spPr>
-        <p:txBody>
-          <a:bodyPr wrap="square" rtlCol="0">
-            <a:spAutoFit/>
-          </a:bodyPr>
-          <a:lstStyle/>
-          <a:p>
-            <a:r>
-              <a:rPr lang="en-US" b="1" dirty="0" smtClean="0">
-                <a:latin typeface="Times New Roman" pitchFamily="18" charset="0"/>
-                <a:cs typeface="Times New Roman" pitchFamily="18" charset="0"/>
-              </a:rPr>
-              <a:t>Action</a:t>
-            </a:r>
-            <a:endParaRPr lang="en-US" b="1" dirty="0">
-              <a:latin typeface="Times New Roman" pitchFamily="18" charset="0"/>
-              <a:cs typeface="Times New Roman" pitchFamily="18" charset="0"/>
-            </a:endParaRPr>
-          </a:p>
-        </p:txBody>
-      </p:sp>
-      <p:sp>
-        <p:nvSpPr>
-          <p:cNvPr id="13" name="TextBox 12"/>
-          <p:cNvSpPr txBox="1"/>
-          <p:nvPr/>
-        </p:nvSpPr>
-        <p:spPr>
-          <a:xfrm>
-            <a:off x="3886200" y="3276600"/>
-            <a:ext cx="1295400" cy="369332"/>
-          </a:xfrm>
-          <a:prstGeom prst="rect">
-            <a:avLst/>
-          </a:prstGeom>
-          <a:noFill/>
-        </p:spPr>
-        <p:txBody>
-          <a:bodyPr wrap="square" rtlCol="0">
-            <a:spAutoFit/>
-          </a:bodyPr>
-          <a:lstStyle/>
-          <a:p>
-            <a:pPr algn="ctr"/>
-            <a:r>
-              <a:rPr lang="en-US" b="1" dirty="0" smtClean="0">
-                <a:latin typeface="Times New Roman" pitchFamily="18" charset="0"/>
-                <a:cs typeface="Times New Roman" pitchFamily="18" charset="0"/>
-              </a:rPr>
-              <a:t>Core</a:t>
-            </a:r>
-            <a:endParaRPr lang="en-US" b="1" dirty="0">
-              <a:latin typeface="Times New Roman" pitchFamily="18" charset="0"/>
-              <a:cs typeface="Times New Roman" pitchFamily="18" charset="0"/>
-            </a:endParaRPr>
-          </a:p>
-        </p:txBody>
-      </p:sp>
-      <p:sp>
-        <p:nvSpPr>
-          <p:cNvPr id="15" name="TextBox 14"/>
-          <p:cNvSpPr txBox="1"/>
-          <p:nvPr/>
-        </p:nvSpPr>
-        <p:spPr>
-          <a:xfrm>
-            <a:off x="2895600" y="5257800"/>
-            <a:ext cx="3429000" cy="369332"/>
-          </a:xfrm>
-          <a:prstGeom prst="rect">
-            <a:avLst/>
-          </a:prstGeom>
-          <a:noFill/>
-        </p:spPr>
-        <p:txBody>
-          <a:bodyPr wrap="square" rtlCol="0">
-            <a:spAutoFit/>
-          </a:bodyPr>
-          <a:lstStyle/>
-          <a:p>
-            <a:r>
-              <a:rPr lang="en-US" b="1" dirty="0" smtClean="0">
-                <a:latin typeface="Times New Roman" pitchFamily="18" charset="0"/>
-                <a:cs typeface="Times New Roman" pitchFamily="18" charset="0"/>
-              </a:rPr>
-              <a:t>Algorithms and APIs Reference  </a:t>
-            </a:r>
-            <a:endParaRPr lang="en-US" b="1" dirty="0">
-              <a:latin typeface="Times New Roman" pitchFamily="18" charset="0"/>
-              <a:cs typeface="Times New Roman" pitchFamily="18" charset="0"/>
-            </a:endParaRPr>
-          </a:p>
-        </p:txBody>
-      </p:sp>
-      <p:sp>
-        <p:nvSpPr>
-          <p:cNvPr id="21" name="Rounded Rectangle 20"/>
-          <p:cNvSpPr/>
-          <p:nvPr/>
-        </p:nvSpPr>
-        <p:spPr>
-          <a:xfrm>
-            <a:off x="4953000" y="1981200"/>
-            <a:ext cx="1447800" cy="533400"/>
-          </a:xfrm>
-          <a:prstGeom prst="roundRect">
-            <a:avLst/>
-          </a:prstGeom>
-        </p:spPr>
-        <p:style>
-          <a:lnRef idx="2">
-            <a:schemeClr val="accent1">
-              <a:shade val="50000"/>
-            </a:schemeClr>
-          </a:lnRef>
-          <a:fillRef idx="1">
-            <a:schemeClr val="accent1"/>
-          </a:fillRef>
-          <a:effectRef idx="0">
-            <a:schemeClr val="accent1"/>
-          </a:effectRef>
-          <a:fontRef idx="minor">
-            <a:schemeClr val="lt1"/>
-          </a:fontRef>
-        </p:style>
-        <p:txBody>
-          <a:bodyPr rtlCol="0" anchor="ctr"/>
-          <a:lstStyle/>
-          <a:p>
-            <a:pPr algn="ctr"/>
-            <a:r>
-              <a:rPr lang="en-US" sz="1500" dirty="0" smtClean="0">
-                <a:solidFill>
-                  <a:schemeClr val="tx1"/>
-                </a:solidFill>
-                <a:latin typeface="Times New Roman" pitchFamily="18" charset="0"/>
-                <a:cs typeface="Times New Roman" pitchFamily="18" charset="0"/>
-              </a:rPr>
-              <a:t>Classification</a:t>
-            </a:r>
-            <a:endParaRPr lang="en-US" sz="1500" dirty="0">
-              <a:solidFill>
-                <a:schemeClr val="tx1"/>
-              </a:solidFill>
-              <a:latin typeface="Times New Roman" pitchFamily="18" charset="0"/>
-              <a:cs typeface="Times New Roman" pitchFamily="18" charset="0"/>
-            </a:endParaRPr>
-          </a:p>
-        </p:txBody>
-      </p:sp>
-      <p:sp>
-        <p:nvSpPr>
-          <p:cNvPr id="22" name="Rounded Rectangle 21"/>
-          <p:cNvSpPr/>
-          <p:nvPr/>
-        </p:nvSpPr>
-        <p:spPr>
-          <a:xfrm>
-            <a:off x="6705600" y="1981200"/>
-            <a:ext cx="914400" cy="533400"/>
-          </a:xfrm>
-          <a:prstGeom prst="roundRect">
-            <a:avLst/>
-          </a:prstGeom>
-        </p:spPr>
-        <p:style>
-          <a:lnRef idx="2">
-            <a:schemeClr val="accent1">
-              <a:shade val="50000"/>
-            </a:schemeClr>
-          </a:lnRef>
-          <a:fillRef idx="1">
-            <a:schemeClr val="accent1"/>
-          </a:fillRef>
-          <a:effectRef idx="0">
-            <a:schemeClr val="accent1"/>
-          </a:effectRef>
-          <a:fontRef idx="minor">
-            <a:schemeClr val="lt1"/>
-          </a:fontRef>
-        </p:style>
-        <p:txBody>
-          <a:bodyPr rtlCol="0" anchor="ctr"/>
-          <a:lstStyle/>
-          <a:p>
-            <a:pPr algn="ctr"/>
-            <a:r>
-              <a:rPr lang="en-US" sz="1600" dirty="0" smtClean="0">
-                <a:solidFill>
-                  <a:schemeClr val="tx1"/>
-                </a:solidFill>
-                <a:latin typeface="Times New Roman" pitchFamily="18" charset="0"/>
-                <a:cs typeface="Times New Roman" pitchFamily="18" charset="0"/>
-              </a:rPr>
-              <a:t>Fetcher</a:t>
-            </a:r>
-            <a:endParaRPr lang="en-US" sz="1600" dirty="0">
-              <a:solidFill>
-                <a:schemeClr val="tx1"/>
-              </a:solidFill>
-              <a:latin typeface="Times New Roman" pitchFamily="18" charset="0"/>
-              <a:cs typeface="Times New Roman" pitchFamily="18" charset="0"/>
-            </a:endParaRPr>
-          </a:p>
-        </p:txBody>
-      </p:sp>
-      <p:sp>
-        <p:nvSpPr>
-          <p:cNvPr id="36" name="Rounded Rectangle 35"/>
-          <p:cNvSpPr/>
-          <p:nvPr/>
-        </p:nvSpPr>
-        <p:spPr>
-          <a:xfrm>
-            <a:off x="1447800" y="5715000"/>
-            <a:ext cx="1371600" cy="609600"/>
-          </a:xfrm>
-          <a:prstGeom prst="roundRect">
-            <a:avLst/>
-          </a:prstGeom>
-        </p:spPr>
-        <p:style>
-          <a:lnRef idx="2">
-            <a:schemeClr val="accent1">
-              <a:shade val="50000"/>
-            </a:schemeClr>
-          </a:lnRef>
-          <a:fillRef idx="1">
-            <a:schemeClr val="accent1"/>
-          </a:fillRef>
-          <a:effectRef idx="0">
-            <a:schemeClr val="accent1"/>
-          </a:effectRef>
-          <a:fontRef idx="minor">
-            <a:schemeClr val="lt1"/>
-          </a:fontRef>
-        </p:style>
-        <p:txBody>
-          <a:bodyPr rtlCol="0" anchor="ctr"/>
-          <a:lstStyle/>
-          <a:p>
-            <a:pPr algn="ctr"/>
-            <a:r>
-              <a:rPr lang="en-US" dirty="0" smtClean="0">
-                <a:solidFill>
-                  <a:schemeClr val="tx1"/>
-                </a:solidFill>
-                <a:latin typeface="Times New Roman" pitchFamily="18" charset="0"/>
-                <a:cs typeface="Times New Roman" pitchFamily="18" charset="0"/>
-              </a:rPr>
-              <a:t>JABREF</a:t>
-            </a:r>
-            <a:endParaRPr lang="en-US" dirty="0">
-              <a:solidFill>
-                <a:schemeClr val="tx1"/>
-              </a:solidFill>
-              <a:latin typeface="Times New Roman" pitchFamily="18" charset="0"/>
-              <a:cs typeface="Times New Roman" pitchFamily="18" charset="0"/>
-            </a:endParaRPr>
-          </a:p>
-        </p:txBody>
-      </p:sp>
-      <p:sp>
-        <p:nvSpPr>
-          <p:cNvPr id="37" name="Rounded Rectangle 36"/>
-          <p:cNvSpPr/>
-          <p:nvPr/>
-        </p:nvSpPr>
-        <p:spPr>
-          <a:xfrm>
-            <a:off x="5715000" y="5715000"/>
-            <a:ext cx="1371600" cy="609600"/>
-          </a:xfrm>
-          <a:prstGeom prst="roundRect">
-            <a:avLst/>
-          </a:prstGeom>
-        </p:spPr>
-        <p:style>
-          <a:lnRef idx="2">
-            <a:schemeClr val="accent1">
-              <a:shade val="50000"/>
-            </a:schemeClr>
-          </a:lnRef>
-          <a:fillRef idx="1">
-            <a:schemeClr val="accent1"/>
-          </a:fillRef>
-          <a:effectRef idx="0">
-            <a:schemeClr val="accent1"/>
-          </a:effectRef>
-          <a:fontRef idx="minor">
-            <a:schemeClr val="lt1"/>
-          </a:fontRef>
-        </p:style>
-        <p:txBody>
-          <a:bodyPr rtlCol="0" anchor="ctr"/>
-          <a:lstStyle/>
-          <a:p>
-            <a:pPr algn="ctr"/>
-            <a:r>
-              <a:rPr lang="en-US" dirty="0" smtClean="0">
-                <a:solidFill>
-                  <a:schemeClr val="tx1"/>
-                </a:solidFill>
-                <a:latin typeface="Times New Roman" pitchFamily="18" charset="0"/>
-                <a:cs typeface="Times New Roman" pitchFamily="18" charset="0"/>
-              </a:rPr>
-              <a:t>SVM</a:t>
-            </a:r>
-            <a:endParaRPr lang="en-US" dirty="0">
-              <a:solidFill>
-                <a:schemeClr val="tx1"/>
-              </a:solidFill>
-              <a:latin typeface="Times New Roman" pitchFamily="18" charset="0"/>
-              <a:cs typeface="Times New Roman" pitchFamily="18" charset="0"/>
-            </a:endParaRPr>
-          </a:p>
-        </p:txBody>
-      </p:sp>
-      <p:sp>
-        <p:nvSpPr>
-          <p:cNvPr id="43" name="Rounded Rectangle 42"/>
-          <p:cNvSpPr/>
-          <p:nvPr/>
-        </p:nvSpPr>
-        <p:spPr>
-          <a:xfrm>
-            <a:off x="4953000" y="3657600"/>
-            <a:ext cx="1447800" cy="533400"/>
-          </a:xfrm>
-          <a:prstGeom prst="roundRect">
-            <a:avLst/>
-          </a:prstGeom>
-        </p:spPr>
-        <p:style>
-          <a:lnRef idx="2">
-            <a:schemeClr val="accent1">
-              <a:shade val="50000"/>
-            </a:schemeClr>
-          </a:lnRef>
-          <a:fillRef idx="1">
-            <a:schemeClr val="accent1"/>
-          </a:fillRef>
-          <a:effectRef idx="0">
-            <a:schemeClr val="accent1"/>
-          </a:effectRef>
-          <a:fontRef idx="minor">
-            <a:schemeClr val="lt1"/>
-          </a:fontRef>
-        </p:style>
-        <p:txBody>
-          <a:bodyPr rtlCol="0" anchor="ctr"/>
-          <a:lstStyle/>
-          <a:p>
-            <a:pPr algn="ctr"/>
-            <a:r>
-              <a:rPr lang="en-US" sz="1500" dirty="0" smtClean="0">
-                <a:solidFill>
-                  <a:schemeClr val="tx1"/>
-                </a:solidFill>
-                <a:latin typeface="Times New Roman" pitchFamily="18" charset="0"/>
-                <a:cs typeface="Times New Roman" pitchFamily="18" charset="0"/>
-              </a:rPr>
-              <a:t>Classification</a:t>
-            </a:r>
-            <a:endParaRPr lang="en-US" sz="1500" dirty="0">
-              <a:solidFill>
-                <a:schemeClr val="tx1"/>
-              </a:solidFill>
-              <a:latin typeface="Times New Roman" pitchFamily="18" charset="0"/>
-              <a:cs typeface="Times New Roman" pitchFamily="18" charset="0"/>
-            </a:endParaRPr>
-          </a:p>
-        </p:txBody>
-      </p:sp>
-      <p:sp>
-        <p:nvSpPr>
-          <p:cNvPr id="44" name="Rounded Rectangle 43"/>
-          <p:cNvSpPr/>
-          <p:nvPr/>
-        </p:nvSpPr>
-        <p:spPr>
-          <a:xfrm>
-            <a:off x="6705600" y="3657600"/>
-            <a:ext cx="914400" cy="533400"/>
-          </a:xfrm>
-          <a:prstGeom prst="roundRect">
-            <a:avLst/>
-          </a:prstGeom>
-        </p:spPr>
-        <p:style>
-          <a:lnRef idx="2">
-            <a:schemeClr val="accent1">
-              <a:shade val="50000"/>
-            </a:schemeClr>
-          </a:lnRef>
-          <a:fillRef idx="1">
-            <a:schemeClr val="accent1"/>
-          </a:fillRef>
-          <a:effectRef idx="0">
-            <a:schemeClr val="accent1"/>
-          </a:effectRef>
-          <a:fontRef idx="minor">
-            <a:schemeClr val="lt1"/>
-          </a:fontRef>
-        </p:style>
-        <p:txBody>
-          <a:bodyPr rtlCol="0" anchor="ctr"/>
-          <a:lstStyle/>
-          <a:p>
-            <a:pPr algn="ctr"/>
-            <a:r>
-              <a:rPr lang="en-US" sz="1600" dirty="0" smtClean="0">
-                <a:solidFill>
-                  <a:schemeClr val="tx1"/>
-                </a:solidFill>
-                <a:latin typeface="Times New Roman" pitchFamily="18" charset="0"/>
-                <a:cs typeface="Times New Roman" pitchFamily="18" charset="0"/>
-              </a:rPr>
-              <a:t>Fetcher</a:t>
-            </a:r>
-            <a:endParaRPr lang="en-US" sz="1600" dirty="0">
-              <a:solidFill>
-                <a:schemeClr val="tx1"/>
-              </a:solidFill>
-              <a:latin typeface="Times New Roman" pitchFamily="18" charset="0"/>
-              <a:cs typeface="Times New Roman" pitchFamily="18" charset="0"/>
-            </a:endParaRPr>
-          </a:p>
-        </p:txBody>
-      </p:sp>
-      <p:sp>
-        <p:nvSpPr>
           <p:cNvPr id="53" name="Down Arrow 52"/>
           <p:cNvSpPr/>
           <p:nvPr/>
         </p:nvSpPr>
         <p:spPr>
           <a:xfrm>
-            <a:off x="4419600" y="1143000"/>
+            <a:off x="4419600" y="1066800"/>
             <a:ext cx="228600" cy="304800"/>
           </a:xfrm>
           <a:prstGeom prst="downArrow">
@@ -4144,14 +3548,112 @@
       </p:sp>
       <p:sp>
         <p:nvSpPr>
-          <p:cNvPr id="55" name="Down Arrow 54"/>
+          <p:cNvPr id="27" name="Flowchart: Magnetic Disk 26"/>
           <p:cNvSpPr/>
           <p:nvPr/>
         </p:nvSpPr>
         <p:spPr>
           <a:xfrm>
-            <a:off x="4495800" y="4724400"/>
-            <a:ext cx="228600" cy="381000"/>
+            <a:off x="3505200" y="5181600"/>
+            <a:ext cx="2057400" cy="1219200"/>
+          </a:xfrm>
+          <a:prstGeom prst="flowChartMagneticDisk">
+            <a:avLst/>
+          </a:prstGeom>
+        </p:spPr>
+        <p:style>
+          <a:lnRef idx="2">
+            <a:schemeClr val="accent1">
+              <a:shade val="50000"/>
+            </a:schemeClr>
+          </a:lnRef>
+          <a:fillRef idx="1">
+            <a:schemeClr val="accent1"/>
+          </a:fillRef>
+          <a:effectRef idx="0">
+            <a:schemeClr val="accent1"/>
+          </a:effectRef>
+          <a:fontRef idx="minor">
+            <a:schemeClr val="lt1"/>
+          </a:fontRef>
+        </p:style>
+        <p:txBody>
+          <a:bodyPr rtlCol="0" anchor="ctr"/>
+          <a:lstStyle/>
+          <a:p>
+            <a:pPr algn="ctr"/>
+            <a:r>
+              <a:rPr lang="en-US" dirty="0" smtClean="0"/>
+              <a:t>Database</a:t>
+            </a:r>
+            <a:endParaRPr lang="en-US" dirty="0"/>
+          </a:p>
+        </p:txBody>
+      </p:sp>
+      <p:sp>
+        <p:nvSpPr>
+          <p:cNvPr id="33" name="Rectangle 32"/>
+          <p:cNvSpPr/>
+          <p:nvPr/>
+        </p:nvSpPr>
+        <p:spPr>
+          <a:xfrm>
+            <a:off x="3048000" y="1371600"/>
+            <a:ext cx="3048000" cy="685800"/>
+          </a:xfrm>
+          <a:prstGeom prst="rect">
+            <a:avLst/>
+          </a:prstGeom>
+        </p:spPr>
+        <p:style>
+          <a:lnRef idx="1">
+            <a:schemeClr val="accent5"/>
+          </a:lnRef>
+          <a:fillRef idx="2">
+            <a:schemeClr val="accent5"/>
+          </a:fillRef>
+          <a:effectRef idx="1">
+            <a:schemeClr val="accent5"/>
+          </a:effectRef>
+          <a:fontRef idx="minor">
+            <a:schemeClr val="dk1"/>
+          </a:fontRef>
+        </p:style>
+        <p:txBody>
+          <a:bodyPr rtlCol="0" anchor="ctr"/>
+          <a:lstStyle/>
+          <a:p>
+            <a:pPr algn="ctr"/>
+            <a:r>
+              <a:rPr lang="en-US" b="1" dirty="0" smtClean="0">
+                <a:latin typeface="Times New Roman" pitchFamily="18" charset="0"/>
+                <a:cs typeface="Times New Roman" pitchFamily="18" charset="0"/>
+              </a:rPr>
+              <a:t>Action Layer</a:t>
+            </a:r>
+          </a:p>
+          <a:p>
+            <a:pPr algn="ctr"/>
+            <a:endParaRPr lang="en-US" dirty="0">
+              <a:solidFill>
+                <a:schemeClr val="tx1"/>
+              </a:solidFill>
+              <a:latin typeface="Times New Roman" pitchFamily="18" charset="0"/>
+              <a:cs typeface="Times New Roman" pitchFamily="18" charset="0"/>
+            </a:endParaRPr>
+          </a:p>
+        </p:txBody>
+      </p:sp>
+      <p:sp>
+        <p:nvSpPr>
+          <p:cNvPr id="38" name="Down Arrow 37"/>
+          <p:cNvSpPr/>
+          <p:nvPr/>
+        </p:nvSpPr>
+        <p:spPr>
+          <a:xfrm>
+            <a:off x="4419600" y="2133600"/>
+            <a:ext cx="228600" cy="304800"/>
           </a:xfrm>
           <a:prstGeom prst="downArrow">
             <a:avLst/>
@@ -4198,28 +3700,68 @@
       </p:sp>
       <p:sp>
         <p:nvSpPr>
-          <p:cNvPr id="66" name="Down Arrow 65"/>
+          <p:cNvPr id="39" name="Rectangle 38"/>
           <p:cNvSpPr/>
           <p:nvPr/>
         </p:nvSpPr>
         <p:spPr>
           <a:xfrm>
-            <a:off x="5562600" y="2514600"/>
-            <a:ext cx="304800" cy="1143000"/>
+            <a:off x="3048000" y="2514600"/>
+            <a:ext cx="3048000" cy="685800"/>
+          </a:xfrm>
+          <a:prstGeom prst="rect">
+            <a:avLst/>
+          </a:prstGeom>
+        </p:spPr>
+        <p:style>
+          <a:lnRef idx="1">
+            <a:schemeClr val="accent3"/>
+          </a:lnRef>
+          <a:fillRef idx="2">
+            <a:schemeClr val="accent3"/>
+          </a:fillRef>
+          <a:effectRef idx="1">
+            <a:schemeClr val="accent3"/>
+          </a:effectRef>
+          <a:fontRef idx="minor">
+            <a:schemeClr val="dk1"/>
+          </a:fontRef>
+        </p:style>
+        <p:txBody>
+          <a:bodyPr rtlCol="0" anchor="ctr"/>
+          <a:lstStyle/>
+          <a:p>
+            <a:pPr algn="ctr"/>
+            <a:endParaRPr lang="en-US" dirty="0">
+              <a:solidFill>
+                <a:schemeClr val="tx1"/>
+              </a:solidFill>
+              <a:latin typeface="Times New Roman" pitchFamily="18" charset="0"/>
+              <a:cs typeface="Times New Roman" pitchFamily="18" charset="0"/>
+            </a:endParaRPr>
+          </a:p>
+        </p:txBody>
+      </p:sp>
+      <p:sp>
+        <p:nvSpPr>
+          <p:cNvPr id="40" name="Down Arrow 39"/>
+          <p:cNvSpPr/>
+          <p:nvPr/>
+        </p:nvSpPr>
+        <p:spPr>
+          <a:xfrm>
+            <a:off x="4419600" y="3200400"/>
+            <a:ext cx="228600" cy="304800"/>
           </a:xfrm>
           <a:prstGeom prst="downArrow">
             <a:avLst/>
           </a:prstGeom>
           <a:solidFill>
-            <a:schemeClr val="accent2">
-              <a:lumMod val="50000"/>
-            </a:schemeClr>
+            <a:schemeClr val="tx1"/>
           </a:solidFill>
           <a:ln>
             <a:solidFill>
-              <a:schemeClr val="accent2">
-                <a:lumMod val="50000"/>
-              </a:schemeClr>
+              <a:schemeClr val="tx1"/>
             </a:solidFill>
           </a:ln>
         </p:spPr>
@@ -4256,18 +3798,205 @@
       </p:sp>
       <p:sp>
         <p:nvSpPr>
-          <p:cNvPr id="69" name="Rounded Rectangle 68"/>
+          <p:cNvPr id="41" name="Rectangle 40"/>
           <p:cNvSpPr/>
           <p:nvPr/>
         </p:nvSpPr>
         <p:spPr>
           <a:xfrm>
-            <a:off x="685800" y="1676400"/>
-            <a:ext cx="1676400" cy="838200"/>
+            <a:off x="3048000" y="3657600"/>
+            <a:ext cx="3048000" cy="685800"/>
           </a:xfrm>
-          <a:prstGeom prst="roundRect">
+          <a:prstGeom prst="rect">
             <a:avLst/>
           </a:prstGeom>
+        </p:spPr>
+        <p:style>
+          <a:lnRef idx="1">
+            <a:schemeClr val="accent1"/>
+          </a:lnRef>
+          <a:fillRef idx="2">
+            <a:schemeClr val="accent1"/>
+          </a:fillRef>
+          <a:effectRef idx="1">
+            <a:schemeClr val="accent1"/>
+          </a:effectRef>
+          <a:fontRef idx="minor">
+            <a:schemeClr val="dk1"/>
+          </a:fontRef>
+        </p:style>
+        <p:txBody>
+          <a:bodyPr rtlCol="0" anchor="ctr"/>
+          <a:lstStyle/>
+          <a:p>
+            <a:pPr algn="ctr"/>
+            <a:endParaRPr lang="en-US" dirty="0">
+              <a:solidFill>
+                <a:schemeClr val="tx1"/>
+              </a:solidFill>
+              <a:latin typeface="Times New Roman" pitchFamily="18" charset="0"/>
+              <a:cs typeface="Times New Roman" pitchFamily="18" charset="0"/>
+            </a:endParaRPr>
+          </a:p>
+        </p:txBody>
+      </p:sp>
+      <p:sp>
+        <p:nvSpPr>
+          <p:cNvPr id="42" name="TextBox 41"/>
+          <p:cNvSpPr txBox="1"/>
+          <p:nvPr/>
+        </p:nvSpPr>
+        <p:spPr>
+          <a:xfrm>
+            <a:off x="3657600" y="2590800"/>
+            <a:ext cx="1905000" cy="369332"/>
+          </a:xfrm>
+          <a:prstGeom prst="rect">
+            <a:avLst/>
+          </a:prstGeom>
+          <a:noFill/>
+        </p:spPr>
+        <p:txBody>
+          <a:bodyPr wrap="square" rtlCol="0">
+            <a:spAutoFit/>
+          </a:bodyPr>
+          <a:lstStyle/>
+          <a:p>
+            <a:pPr algn="ctr"/>
+            <a:r>
+              <a:rPr lang="en-US" b="1" dirty="0" smtClean="0">
+                <a:latin typeface="Times New Roman" pitchFamily="18" charset="0"/>
+                <a:cs typeface="Times New Roman" pitchFamily="18" charset="0"/>
+              </a:rPr>
+              <a:t>Core </a:t>
+            </a:r>
+            <a:endParaRPr lang="en-US" b="1" dirty="0">
+              <a:latin typeface="Times New Roman" pitchFamily="18" charset="0"/>
+              <a:cs typeface="Times New Roman" pitchFamily="18" charset="0"/>
+            </a:endParaRPr>
+          </a:p>
+        </p:txBody>
+      </p:sp>
+      <p:sp>
+        <p:nvSpPr>
+          <p:cNvPr id="45" name="TextBox 44"/>
+          <p:cNvSpPr txBox="1"/>
+          <p:nvPr/>
+        </p:nvSpPr>
+        <p:spPr>
+          <a:xfrm>
+            <a:off x="3581400" y="3733800"/>
+            <a:ext cx="1905000" cy="369332"/>
+          </a:xfrm>
+          <a:prstGeom prst="rect">
+            <a:avLst/>
+          </a:prstGeom>
+          <a:noFill/>
+        </p:spPr>
+        <p:txBody>
+          <a:bodyPr wrap="square" rtlCol="0">
+            <a:spAutoFit/>
+          </a:bodyPr>
+          <a:lstStyle/>
+          <a:p>
+            <a:pPr algn="ctr"/>
+            <a:r>
+              <a:rPr lang="en-US" b="1" dirty="0" smtClean="0">
+                <a:latin typeface="Times New Roman" pitchFamily="18" charset="0"/>
+                <a:cs typeface="Times New Roman" pitchFamily="18" charset="0"/>
+              </a:rPr>
+              <a:t>Data </a:t>
+            </a:r>
+            <a:r>
+              <a:rPr lang="en-US" b="1" dirty="0" err="1" smtClean="0">
+                <a:latin typeface="Times New Roman" pitchFamily="18" charset="0"/>
+                <a:cs typeface="Times New Roman" pitchFamily="18" charset="0"/>
+              </a:rPr>
+              <a:t>Acess</a:t>
+            </a:r>
+            <a:r>
+              <a:rPr lang="en-US" b="1" dirty="0" smtClean="0">
+                <a:latin typeface="Times New Roman" pitchFamily="18" charset="0"/>
+                <a:cs typeface="Times New Roman" pitchFamily="18" charset="0"/>
+              </a:rPr>
+              <a:t> Layer</a:t>
+            </a:r>
+            <a:endParaRPr lang="en-US" b="1" dirty="0">
+              <a:latin typeface="Times New Roman" pitchFamily="18" charset="0"/>
+              <a:cs typeface="Times New Roman" pitchFamily="18" charset="0"/>
+            </a:endParaRPr>
+          </a:p>
+        </p:txBody>
+      </p:sp>
+      <p:pic>
+        <p:nvPicPr>
+          <p:cNvPr id="1026" name="Picture 2" descr="C:\Users\tiendv\Desktop\user.png"/>
+          <p:cNvPicPr>
+            <a:picLocks noChangeAspect="1" noChangeArrowheads="1"/>
+          </p:cNvPicPr>
+          <p:nvPr/>
+        </p:nvPicPr>
+        <p:blipFill>
+          <a:blip r:embed="rId2" cstate="print"/>
+          <a:srcRect/>
+          <a:stretch>
+            <a:fillRect/>
+          </a:stretch>
+        </p:blipFill>
+        <p:spPr bwMode="auto">
+          <a:xfrm>
+            <a:off x="1447800" y="228600"/>
+            <a:ext cx="609600" cy="938059"/>
+          </a:xfrm>
+          <a:prstGeom prst="rect">
+            <a:avLst/>
+          </a:prstGeom>
+          <a:noFill/>
+        </p:spPr>
+      </p:pic>
+      <p:pic>
+        <p:nvPicPr>
+          <p:cNvPr id="1027" name="Picture 3" descr="C:\Users\tiendv\Desktop\internet.png"/>
+          <p:cNvPicPr>
+            <a:picLocks noChangeAspect="1" noChangeArrowheads="1"/>
+          </p:cNvPicPr>
+          <p:nvPr/>
+        </p:nvPicPr>
+        <p:blipFill>
+          <a:blip r:embed="rId3" cstate="print"/>
+          <a:srcRect/>
+          <a:stretch>
+            <a:fillRect/>
+          </a:stretch>
+        </p:blipFill>
+        <p:spPr bwMode="auto">
+          <a:xfrm>
+            <a:off x="7315200" y="2133600"/>
+            <a:ext cx="1066800" cy="1600200"/>
+          </a:xfrm>
+          <a:prstGeom prst="rect">
+            <a:avLst/>
+          </a:prstGeom>
+          <a:noFill/>
+        </p:spPr>
+      </p:pic>
+      <p:sp>
+        <p:nvSpPr>
+          <p:cNvPr id="51" name="Up-Down Arrow 50"/>
+          <p:cNvSpPr/>
+          <p:nvPr/>
+        </p:nvSpPr>
+        <p:spPr>
+          <a:xfrm>
+            <a:off x="4419600" y="4343400"/>
+            <a:ext cx="304800" cy="762000"/>
+          </a:xfrm>
+          <a:prstGeom prst="upDownArrow">
+            <a:avLst/>
+          </a:prstGeom>
+          <a:solidFill>
+            <a:schemeClr val="tx1"/>
+          </a:solidFill>
         </p:spPr>
         <p:style>
           <a:lnRef idx="2">
@@ -4290,40 +4019,27 @@
           <a:lstStyle/>
           <a:p>
             <a:pPr algn="ctr"/>
-            <a:r>
-              <a:rPr lang="en-US" sz="1500" b="1" dirty="0" smtClean="0">
-                <a:solidFill>
-                  <a:schemeClr val="tx1"/>
-                </a:solidFill>
-                <a:latin typeface="Times New Roman" pitchFamily="18" charset="0"/>
-                <a:cs typeface="Times New Roman" pitchFamily="18" charset="0"/>
-              </a:rPr>
-              <a:t>Digitals</a:t>
-            </a:r>
-            <a:endParaRPr lang="en-US" sz="1500" b="1" dirty="0">
-              <a:solidFill>
-                <a:schemeClr val="tx1"/>
-              </a:solidFill>
-              <a:latin typeface="Times New Roman" pitchFamily="18" charset="0"/>
-              <a:cs typeface="Times New Roman" pitchFamily="18" charset="0"/>
-            </a:endParaRPr>
-          </a:p>
-        </p:txBody>
-      </p:sp>
-      <p:sp>
-        <p:nvSpPr>
-          <p:cNvPr id="72" name="Rounded Rectangle 71"/>
+            <a:endParaRPr lang="en-US"/>
+          </a:p>
+        </p:txBody>
+      </p:sp>
+      <p:sp>
+        <p:nvSpPr>
+          <p:cNvPr id="52" name="Left-Right Arrow 51"/>
           <p:cNvSpPr/>
           <p:nvPr/>
         </p:nvSpPr>
         <p:spPr>
           <a:xfrm>
-            <a:off x="2590800" y="1905000"/>
-            <a:ext cx="1676400" cy="609600"/>
+            <a:off x="2286000" y="609600"/>
+            <a:ext cx="533400" cy="228600"/>
           </a:xfrm>
-          <a:prstGeom prst="roundRect">
+          <a:prstGeom prst="leftRightArrow">
             <a:avLst/>
           </a:prstGeom>
+          <a:solidFill>
+            <a:schemeClr val="tx1"/>
+          </a:solidFill>
         </p:spPr>
         <p:style>
           <a:lnRef idx="2">
@@ -4346,62 +4062,27 @@
           <a:lstStyle/>
           <a:p>
             <a:pPr algn="ctr"/>
-            <a:r>
-              <a:rPr lang="en-US" sz="1500" dirty="0" smtClean="0">
-                <a:solidFill>
-                  <a:schemeClr val="tx1"/>
-                </a:solidFill>
-                <a:latin typeface="Times New Roman" pitchFamily="18" charset="0"/>
-                <a:cs typeface="Times New Roman" pitchFamily="18" charset="0"/>
-              </a:rPr>
-              <a:t>Database m</a:t>
-            </a:r>
-            <a:r>
-              <a:rPr lang="en-US" sz="1500" dirty="0" smtClean="0">
-                <a:solidFill>
-                  <a:schemeClr val="tx1"/>
-                </a:solidFill>
-                <a:latin typeface="Times New Roman" pitchFamily="18" charset="0"/>
-                <a:cs typeface="Times New Roman" pitchFamily="18" charset="0"/>
-              </a:rPr>
-              <a:t>anagement</a:t>
-            </a:r>
-            <a:endParaRPr lang="en-US" sz="1500" dirty="0">
-              <a:solidFill>
-                <a:schemeClr val="tx1"/>
-              </a:solidFill>
-              <a:latin typeface="Times New Roman" pitchFamily="18" charset="0"/>
-              <a:cs typeface="Times New Roman" pitchFamily="18" charset="0"/>
-            </a:endParaRPr>
-          </a:p>
-        </p:txBody>
-      </p:sp>
-      <p:sp>
-        <p:nvSpPr>
-          <p:cNvPr id="73" name="Down Arrow 72"/>
+            <a:endParaRPr lang="en-US"/>
+          </a:p>
+        </p:txBody>
+      </p:sp>
+      <p:sp>
+        <p:nvSpPr>
+          <p:cNvPr id="54" name="Left-Right Arrow 53"/>
           <p:cNvSpPr/>
           <p:nvPr/>
         </p:nvSpPr>
         <p:spPr>
           <a:xfrm>
-            <a:off x="7010400" y="2514600"/>
-            <a:ext cx="304800" cy="1143000"/>
+            <a:off x="6172200" y="2743200"/>
+            <a:ext cx="1066800" cy="256032"/>
           </a:xfrm>
-          <a:prstGeom prst="downArrow">
+          <a:prstGeom prst="leftRightArrow">
             <a:avLst/>
           </a:prstGeom>
           <a:solidFill>
-            <a:schemeClr val="accent2">
-              <a:lumMod val="50000"/>
-            </a:schemeClr>
+            <a:schemeClr val="tx1"/>
           </a:solidFill>
-          <a:ln>
-            <a:solidFill>
-              <a:schemeClr val="accent2">
-                <a:lumMod val="50000"/>
-              </a:schemeClr>
-            </a:solidFill>
-          </a:ln>
         </p:spPr>
         <p:style>
           <a:lnRef idx="2">
@@ -4424,254 +4105,99 @@
           <a:lstStyle/>
           <a:p>
             <a:pPr algn="ctr"/>
-            <a:endParaRPr lang="en-US">
-              <a:solidFill>
-                <a:schemeClr val="tx1"/>
-              </a:solidFill>
+            <a:endParaRPr lang="en-US"/>
+          </a:p>
+        </p:txBody>
+      </p:sp>
+      <p:sp>
+        <p:nvSpPr>
+          <p:cNvPr id="57" name="TextBox 56"/>
+          <p:cNvSpPr txBox="1"/>
+          <p:nvPr/>
+        </p:nvSpPr>
+        <p:spPr>
+          <a:xfrm>
+            <a:off x="7010400" y="1600200"/>
+            <a:ext cx="1905000" cy="369332"/>
+          </a:xfrm>
+          <a:prstGeom prst="rect">
+            <a:avLst/>
+          </a:prstGeom>
+          <a:noFill/>
+        </p:spPr>
+        <p:txBody>
+          <a:bodyPr wrap="square" rtlCol="0">
+            <a:spAutoFit/>
+          </a:bodyPr>
+          <a:lstStyle/>
+          <a:p>
+            <a:r>
+              <a:rPr lang="en-US" b="1" dirty="0" err="1" smtClean="0">
+                <a:latin typeface="Times New Roman" pitchFamily="18" charset="0"/>
+                <a:cs typeface="Times New Roman" pitchFamily="18" charset="0"/>
+              </a:rPr>
+              <a:t>Thư</a:t>
+            </a:r>
+            <a:r>
+              <a:rPr lang="en-US" b="1" dirty="0" smtClean="0">
+                <a:latin typeface="Times New Roman" pitchFamily="18" charset="0"/>
+                <a:cs typeface="Times New Roman" pitchFamily="18" charset="0"/>
+              </a:rPr>
+              <a:t> </a:t>
+            </a:r>
+            <a:r>
+              <a:rPr lang="en-US" b="1" dirty="0" err="1" smtClean="0">
+                <a:latin typeface="Times New Roman" pitchFamily="18" charset="0"/>
+                <a:cs typeface="Times New Roman" pitchFamily="18" charset="0"/>
+              </a:rPr>
+              <a:t>viện</a:t>
+            </a:r>
+            <a:r>
+              <a:rPr lang="en-US" b="1" dirty="0" smtClean="0">
+                <a:latin typeface="Times New Roman" pitchFamily="18" charset="0"/>
+                <a:cs typeface="Times New Roman" pitchFamily="18" charset="0"/>
+              </a:rPr>
+              <a:t> </a:t>
+            </a:r>
+            <a:r>
+              <a:rPr lang="en-US" b="1" dirty="0" err="1" smtClean="0">
+                <a:latin typeface="Times New Roman" pitchFamily="18" charset="0"/>
+                <a:cs typeface="Times New Roman" pitchFamily="18" charset="0"/>
+              </a:rPr>
+              <a:t>số</a:t>
+            </a:r>
+            <a:endParaRPr lang="en-US" b="1" dirty="0">
               <a:latin typeface="Times New Roman" pitchFamily="18" charset="0"/>
               <a:cs typeface="Times New Roman" pitchFamily="18" charset="0"/>
             </a:endParaRPr>
           </a:p>
         </p:txBody>
       </p:sp>
-      <p:sp>
-        <p:nvSpPr>
-          <p:cNvPr id="74" name="Rounded Rectangle 73"/>
-          <p:cNvSpPr/>
-          <p:nvPr/>
-        </p:nvSpPr>
-        <p:spPr>
-          <a:xfrm>
-            <a:off x="685800" y="3657600"/>
-            <a:ext cx="1676400" cy="838200"/>
-          </a:xfrm>
-          <a:prstGeom prst="roundRect">
-            <a:avLst/>
-          </a:prstGeom>
-        </p:spPr>
-        <p:style>
-          <a:lnRef idx="2">
-            <a:schemeClr val="accent1">
-              <a:shade val="50000"/>
-            </a:schemeClr>
-          </a:lnRef>
-          <a:fillRef idx="1">
-            <a:schemeClr val="accent1"/>
-          </a:fillRef>
-          <a:effectRef idx="0">
-            <a:schemeClr val="accent1"/>
-          </a:effectRef>
-          <a:fontRef idx="minor">
-            <a:schemeClr val="lt1"/>
-          </a:fontRef>
-        </p:style>
-        <p:txBody>
-          <a:bodyPr rtlCol="0" anchor="ctr"/>
-          <a:lstStyle/>
-          <a:p>
-            <a:pPr algn="ctr"/>
-            <a:r>
-              <a:rPr lang="en-US" sz="1500" b="1" dirty="0" smtClean="0">
-                <a:solidFill>
-                  <a:schemeClr val="tx1"/>
-                </a:solidFill>
-                <a:latin typeface="Times New Roman" pitchFamily="18" charset="0"/>
-                <a:cs typeface="Times New Roman" pitchFamily="18" charset="0"/>
-              </a:rPr>
-              <a:t>Digitals</a:t>
-            </a:r>
-            <a:endParaRPr lang="en-US" sz="1500" b="1" dirty="0">
-              <a:solidFill>
-                <a:schemeClr val="tx1"/>
-              </a:solidFill>
-              <a:latin typeface="Times New Roman" pitchFamily="18" charset="0"/>
-              <a:cs typeface="Times New Roman" pitchFamily="18" charset="0"/>
-            </a:endParaRPr>
-          </a:p>
-        </p:txBody>
-      </p:sp>
-      <p:sp>
-        <p:nvSpPr>
-          <p:cNvPr id="76" name="Down Arrow 75"/>
-          <p:cNvSpPr/>
-          <p:nvPr/>
-        </p:nvSpPr>
-        <p:spPr>
-          <a:xfrm>
-            <a:off x="3276600" y="2514600"/>
-            <a:ext cx="304800" cy="1143000"/>
-          </a:xfrm>
-          <a:prstGeom prst="downArrow">
-            <a:avLst/>
-          </a:prstGeom>
-          <a:solidFill>
-            <a:schemeClr val="accent2">
-              <a:lumMod val="50000"/>
-            </a:schemeClr>
-          </a:solidFill>
-          <a:ln>
-            <a:solidFill>
-              <a:schemeClr val="accent2">
-                <a:lumMod val="50000"/>
-              </a:schemeClr>
-            </a:solidFill>
-          </a:ln>
-        </p:spPr>
-        <p:style>
-          <a:lnRef idx="2">
-            <a:schemeClr val="accent1">
-              <a:shade val="50000"/>
-            </a:schemeClr>
-          </a:lnRef>
-          <a:fillRef idx="1">
-            <a:schemeClr val="accent1"/>
-          </a:fillRef>
-          <a:effectRef idx="0">
-            <a:schemeClr val="accent1"/>
-          </a:effectRef>
-          <a:fontRef idx="minor">
-            <a:schemeClr val="lt1"/>
-          </a:fontRef>
-        </p:style>
-        <p:txBody>
-          <a:bodyPr rtlCol="0" anchor="ctr"/>
-          <a:lstStyle/>
-          <a:p>
-            <a:pPr algn="ctr"/>
-            <a:endParaRPr lang="en-US">
-              <a:solidFill>
-                <a:schemeClr val="tx1"/>
-              </a:solidFill>
-              <a:latin typeface="Times New Roman" pitchFamily="18" charset="0"/>
-              <a:cs typeface="Times New Roman" pitchFamily="18" charset="0"/>
-            </a:endParaRPr>
-          </a:p>
-        </p:txBody>
-      </p:sp>
-      <p:sp>
-        <p:nvSpPr>
-          <p:cNvPr id="77" name="Down Arrow 76"/>
-          <p:cNvSpPr/>
-          <p:nvPr/>
-        </p:nvSpPr>
-        <p:spPr>
-          <a:xfrm>
-            <a:off x="1295400" y="2514600"/>
-            <a:ext cx="304800" cy="1143000"/>
-          </a:xfrm>
-          <a:prstGeom prst="downArrow">
-            <a:avLst/>
-          </a:prstGeom>
-          <a:solidFill>
-            <a:schemeClr val="accent2">
-              <a:lumMod val="50000"/>
-            </a:schemeClr>
-          </a:solidFill>
-          <a:ln>
-            <a:solidFill>
-              <a:schemeClr val="accent2">
-                <a:lumMod val="50000"/>
-              </a:schemeClr>
-            </a:solidFill>
-          </a:ln>
-        </p:spPr>
-        <p:style>
-          <a:lnRef idx="2">
-            <a:schemeClr val="accent1">
-              <a:shade val="50000"/>
-            </a:schemeClr>
-          </a:lnRef>
-          <a:fillRef idx="1">
-            <a:schemeClr val="accent1"/>
-          </a:fillRef>
-          <a:effectRef idx="0">
-            <a:schemeClr val="accent1"/>
-          </a:effectRef>
-          <a:fontRef idx="minor">
-            <a:schemeClr val="lt1"/>
-          </a:fontRef>
-        </p:style>
-        <p:txBody>
-          <a:bodyPr rtlCol="0" anchor="ctr"/>
-          <a:lstStyle/>
-          <a:p>
-            <a:pPr algn="ctr"/>
-            <a:endParaRPr lang="en-US">
-              <a:solidFill>
-                <a:schemeClr val="tx1"/>
-              </a:solidFill>
-              <a:latin typeface="Times New Roman" pitchFamily="18" charset="0"/>
-              <a:cs typeface="Times New Roman" pitchFamily="18" charset="0"/>
-            </a:endParaRPr>
-          </a:p>
-        </p:txBody>
-      </p:sp>
-      <p:sp>
-        <p:nvSpPr>
-          <p:cNvPr id="26" name="Rounded Rectangle 25"/>
-          <p:cNvSpPr/>
-          <p:nvPr/>
-        </p:nvSpPr>
-        <p:spPr>
-          <a:xfrm>
-            <a:off x="2590800" y="3657600"/>
-            <a:ext cx="1676400" cy="609600"/>
-          </a:xfrm>
-          <a:prstGeom prst="roundRect">
-            <a:avLst/>
-          </a:prstGeom>
-        </p:spPr>
-        <p:style>
-          <a:lnRef idx="2">
-            <a:schemeClr val="accent1">
-              <a:shade val="50000"/>
-            </a:schemeClr>
-          </a:lnRef>
-          <a:fillRef idx="1">
-            <a:schemeClr val="accent1"/>
-          </a:fillRef>
-          <a:effectRef idx="0">
-            <a:schemeClr val="accent1"/>
-          </a:effectRef>
-          <a:fontRef idx="minor">
-            <a:schemeClr val="lt1"/>
-          </a:fontRef>
-        </p:style>
-        <p:txBody>
-          <a:bodyPr rtlCol="0" anchor="ctr"/>
-          <a:lstStyle/>
-          <a:p>
-            <a:pPr algn="ctr"/>
-            <a:r>
-              <a:rPr lang="en-US" sz="1500" dirty="0" smtClean="0">
-                <a:solidFill>
-                  <a:schemeClr val="tx1"/>
-                </a:solidFill>
-                <a:latin typeface="Times New Roman" pitchFamily="18" charset="0"/>
-                <a:cs typeface="Times New Roman" pitchFamily="18" charset="0"/>
-              </a:rPr>
-              <a:t>Database m</a:t>
-            </a:r>
-            <a:r>
-              <a:rPr lang="en-US" sz="1500" dirty="0" smtClean="0">
-                <a:solidFill>
-                  <a:schemeClr val="tx1"/>
-                </a:solidFill>
-                <a:latin typeface="Times New Roman" pitchFamily="18" charset="0"/>
-                <a:cs typeface="Times New Roman" pitchFamily="18" charset="0"/>
-              </a:rPr>
-              <a:t>anagement</a:t>
-            </a:r>
-            <a:endParaRPr lang="en-US" sz="1500" dirty="0">
-              <a:solidFill>
-                <a:schemeClr val="tx1"/>
-              </a:solidFill>
-              <a:latin typeface="Times New Roman" pitchFamily="18" charset="0"/>
-              <a:cs typeface="Times New Roman" pitchFamily="18" charset="0"/>
-            </a:endParaRPr>
-          </a:p>
-        </p:txBody>
-      </p:sp>
+    </p:spTree>
+  </p:cSld>
+  <p:clrMapOvr>
+    <a:masterClrMapping/>
+  </p:clrMapOvr>
+</p:sld>
+</file>
+
+<file path=ppt/slides/slide2.xml><?xml version="1.0" encoding="utf-8"?>
+<p:sld xmlns:a="http://schemas.openxmlformats.org/drawingml/2006/main" xmlns:r="http://schemas.openxmlformats.org/officeDocument/2006/relationships" xmlns:p="http://schemas.openxmlformats.org/presentationml/2006/main">
+  <p:cSld>
+    <p:spTree>
+      <p:nvGrpSpPr>
+        <p:cNvPr id="1" name=""/>
+        <p:cNvGrpSpPr/>
+        <p:nvPr/>
+      </p:nvGrpSpPr>
+      <p:grpSpPr>
+        <a:xfrm>
+          <a:off x="0" y="0"/>
+          <a:ext cx="0" cy="0"/>
+          <a:chOff x="0" y="0"/>
+          <a:chExt cx="0" cy="0"/>
+        </a:xfrm>
+      </p:grpSpPr>
     </p:spTree>
   </p:cSld>
   <p:clrMapOvr>

--- a/trunk/Report/Architecture Data Bibliography Science Articles/Architecture Data Bibliography Science Articles.pptx
+++ b/trunk/Report/Architecture Data Bibliography Science Articles/Architecture Data Bibliography Science Articles.pptx
@@ -194,7 +194,7 @@
             <a:fld id="{F63FD2B4-2956-4F54-868B-DDF4289EA4A7}" type="datetimeFigureOut">
               <a:rPr lang="en-US" smtClean="0"/>
               <a:pPr/>
-              <a:t>3/13/2011</a:t>
+              <a:t>3/22/2011</a:t>
             </a:fld>
             <a:endParaRPr lang="en-US"/>
           </a:p>
@@ -642,7 +642,7 @@
             <a:fld id="{1D8BD707-D9CF-40AE-B4C6-C98DA3205C09}" type="datetimeFigureOut">
               <a:rPr lang="en-US" smtClean="0"/>
               <a:pPr/>
-              <a:t>3/13/2011</a:t>
+              <a:t>3/22/2011</a:t>
             </a:fld>
             <a:endParaRPr lang="en-US"/>
           </a:p>
@@ -809,7 +809,7 @@
             <a:fld id="{1D8BD707-D9CF-40AE-B4C6-C98DA3205C09}" type="datetimeFigureOut">
               <a:rPr lang="en-US" smtClean="0"/>
               <a:pPr/>
-              <a:t>3/13/2011</a:t>
+              <a:t>3/22/2011</a:t>
             </a:fld>
             <a:endParaRPr lang="en-US"/>
           </a:p>
@@ -986,7 +986,7 @@
             <a:fld id="{1D8BD707-D9CF-40AE-B4C6-C98DA3205C09}" type="datetimeFigureOut">
               <a:rPr lang="en-US" smtClean="0"/>
               <a:pPr/>
-              <a:t>3/13/2011</a:t>
+              <a:t>3/22/2011</a:t>
             </a:fld>
             <a:endParaRPr lang="en-US"/>
           </a:p>
@@ -1153,7 +1153,7 @@
             <a:fld id="{1D8BD707-D9CF-40AE-B4C6-C98DA3205C09}" type="datetimeFigureOut">
               <a:rPr lang="en-US" smtClean="0"/>
               <a:pPr/>
-              <a:t>3/13/2011</a:t>
+              <a:t>3/22/2011</a:t>
             </a:fld>
             <a:endParaRPr lang="en-US"/>
           </a:p>
@@ -1396,7 +1396,7 @@
             <a:fld id="{1D8BD707-D9CF-40AE-B4C6-C98DA3205C09}" type="datetimeFigureOut">
               <a:rPr lang="en-US" smtClean="0"/>
               <a:pPr/>
-              <a:t>3/13/2011</a:t>
+              <a:t>3/22/2011</a:t>
             </a:fld>
             <a:endParaRPr lang="en-US"/>
           </a:p>
@@ -1681,7 +1681,7 @@
             <a:fld id="{1D8BD707-D9CF-40AE-B4C6-C98DA3205C09}" type="datetimeFigureOut">
               <a:rPr lang="en-US" smtClean="0"/>
               <a:pPr/>
-              <a:t>3/13/2011</a:t>
+              <a:t>3/22/2011</a:t>
             </a:fld>
             <a:endParaRPr lang="en-US"/>
           </a:p>
@@ -2100,7 +2100,7 @@
             <a:fld id="{1D8BD707-D9CF-40AE-B4C6-C98DA3205C09}" type="datetimeFigureOut">
               <a:rPr lang="en-US" smtClean="0"/>
               <a:pPr/>
-              <a:t>3/13/2011</a:t>
+              <a:t>3/22/2011</a:t>
             </a:fld>
             <a:endParaRPr lang="en-US"/>
           </a:p>
@@ -2215,7 +2215,7 @@
             <a:fld id="{1D8BD707-D9CF-40AE-B4C6-C98DA3205C09}" type="datetimeFigureOut">
               <a:rPr lang="en-US" smtClean="0"/>
               <a:pPr/>
-              <a:t>3/13/2011</a:t>
+              <a:t>3/22/2011</a:t>
             </a:fld>
             <a:endParaRPr lang="en-US"/>
           </a:p>
@@ -2307,7 +2307,7 @@
             <a:fld id="{1D8BD707-D9CF-40AE-B4C6-C98DA3205C09}" type="datetimeFigureOut">
               <a:rPr lang="en-US" smtClean="0"/>
               <a:pPr/>
-              <a:t>3/13/2011</a:t>
+              <a:t>3/22/2011</a:t>
             </a:fld>
             <a:endParaRPr lang="en-US"/>
           </a:p>
@@ -2581,7 +2581,7 @@
             <a:fld id="{1D8BD707-D9CF-40AE-B4C6-C98DA3205C09}" type="datetimeFigureOut">
               <a:rPr lang="en-US" smtClean="0"/>
               <a:pPr/>
-              <a:t>3/13/2011</a:t>
+              <a:t>3/22/2011</a:t>
             </a:fld>
             <a:endParaRPr lang="en-US"/>
           </a:p>
@@ -2831,7 +2831,7 @@
             <a:fld id="{1D8BD707-D9CF-40AE-B4C6-C98DA3205C09}" type="datetimeFigureOut">
               <a:rPr lang="en-US" smtClean="0"/>
               <a:pPr/>
-              <a:t>3/13/2011</a:t>
+              <a:t>3/22/2011</a:t>
             </a:fld>
             <a:endParaRPr lang="en-US"/>
           </a:p>
@@ -3041,7 +3041,7 @@
             <a:fld id="{1D8BD707-D9CF-40AE-B4C6-C98DA3205C09}" type="datetimeFigureOut">
               <a:rPr lang="en-US" smtClean="0"/>
               <a:pPr/>
-              <a:t>3/13/2011</a:t>
+              <a:t>3/22/2011</a:t>
             </a:fld>
             <a:endParaRPr lang="en-US"/>
           </a:p>
@@ -3886,7 +3886,7 @@
         <p:spPr>
           <a:xfrm>
             <a:off x="3581400" y="3733800"/>
-            <a:ext cx="1905000" cy="369332"/>
+            <a:ext cx="1905000" cy="646331"/>
           </a:xfrm>
           <a:prstGeom prst="rect">
             <a:avLst/>
@@ -3908,18 +3908,18 @@
               <a:t>Data </a:t>
             </a:r>
             <a:r>
-              <a:rPr lang="en-US" b="1" dirty="0" err="1" smtClean="0">
-                <a:latin typeface="Times New Roman" pitchFamily="18" charset="0"/>
-                <a:cs typeface="Times New Roman" pitchFamily="18" charset="0"/>
-              </a:rPr>
-              <a:t>Acess</a:t>
-            </a:r>
-            <a:r>
               <a:rPr lang="en-US" b="1" dirty="0" smtClean="0">
                 <a:latin typeface="Times New Roman" pitchFamily="18" charset="0"/>
                 <a:cs typeface="Times New Roman" pitchFamily="18" charset="0"/>
               </a:rPr>
-              <a:t> Layer</a:t>
+              <a:t>Access </a:t>
+            </a:r>
+            <a:r>
+              <a:rPr lang="en-US" b="1" dirty="0" smtClean="0">
+                <a:latin typeface="Times New Roman" pitchFamily="18" charset="0"/>
+                <a:cs typeface="Times New Roman" pitchFamily="18" charset="0"/>
+              </a:rPr>
+              <a:t>Layer</a:t>
             </a:r>
             <a:endParaRPr lang="en-US" b="1" dirty="0">
               <a:latin typeface="Times New Roman" pitchFamily="18" charset="0"/>
@@ -4170,6 +4170,100 @@
               <a:latin typeface="Times New Roman" pitchFamily="18" charset="0"/>
               <a:cs typeface="Times New Roman" pitchFamily="18" charset="0"/>
             </a:endParaRPr>
+          </a:p>
+        </p:txBody>
+      </p:sp>
+      <p:sp>
+        <p:nvSpPr>
+          <p:cNvPr id="19" name="TextBox 18"/>
+          <p:cNvSpPr txBox="1"/>
+          <p:nvPr/>
+        </p:nvSpPr>
+        <p:spPr>
+          <a:xfrm>
+            <a:off x="1066800" y="1295400"/>
+            <a:ext cx="1354858" cy="369332"/>
+          </a:xfrm>
+          <a:prstGeom prst="rect">
+            <a:avLst/>
+          </a:prstGeom>
+          <a:noFill/>
+        </p:spPr>
+        <p:txBody>
+          <a:bodyPr wrap="none" rtlCol="0">
+            <a:spAutoFit/>
+          </a:bodyPr>
+          <a:lstStyle/>
+          <a:p>
+            <a:r>
+              <a:rPr lang="en-US" b="1" dirty="0" err="1" smtClean="0">
+                <a:latin typeface="Times New Roman" pitchFamily="18" charset="0"/>
+                <a:cs typeface="Times New Roman" pitchFamily="18" charset="0"/>
+              </a:rPr>
+              <a:t>Người</a:t>
+            </a:r>
+            <a:r>
+              <a:rPr lang="en-US" b="1" dirty="0" smtClean="0">
+                <a:latin typeface="Times New Roman" pitchFamily="18" charset="0"/>
+                <a:cs typeface="Times New Roman" pitchFamily="18" charset="0"/>
+              </a:rPr>
+              <a:t> </a:t>
+            </a:r>
+            <a:r>
+              <a:rPr lang="en-US" b="1" dirty="0" err="1" smtClean="0">
+                <a:latin typeface="Times New Roman" pitchFamily="18" charset="0"/>
+                <a:cs typeface="Times New Roman" pitchFamily="18" charset="0"/>
+              </a:rPr>
+              <a:t>dùng</a:t>
+            </a:r>
+            <a:endParaRPr lang="en-US" b="1" dirty="0">
+              <a:latin typeface="Times New Roman" pitchFamily="18" charset="0"/>
+              <a:cs typeface="Times New Roman" pitchFamily="18" charset="0"/>
+            </a:endParaRPr>
+          </a:p>
+        </p:txBody>
+      </p:sp>
+      <p:sp>
+        <p:nvSpPr>
+          <p:cNvPr id="20" name="Rectangle 19"/>
+          <p:cNvSpPr/>
+          <p:nvPr/>
+        </p:nvSpPr>
+        <p:spPr>
+          <a:xfrm>
+            <a:off x="2895600" y="152400"/>
+            <a:ext cx="3810000" cy="6400800"/>
+          </a:xfrm>
+          <a:prstGeom prst="rect">
+            <a:avLst/>
+          </a:prstGeom>
+          <a:noFill/>
+          <a:ln>
+            <a:prstDash val="sysDash"/>
+          </a:ln>
+        </p:spPr>
+        <p:style>
+          <a:lnRef idx="2">
+            <a:schemeClr val="accent1">
+              <a:shade val="50000"/>
+            </a:schemeClr>
+          </a:lnRef>
+          <a:fillRef idx="1">
+            <a:schemeClr val="accent1"/>
+          </a:fillRef>
+          <a:effectRef idx="0">
+            <a:schemeClr val="accent1"/>
+          </a:effectRef>
+          <a:fontRef idx="minor">
+            <a:schemeClr val="lt1"/>
+          </a:fontRef>
+        </p:style>
+        <p:txBody>
+          <a:bodyPr rtlCol="0" anchor="ctr"/>
+          <a:lstStyle/>
+          <a:p>
+            <a:pPr algn="ctr"/>
+            <a:endParaRPr lang="en-US"/>
           </a:p>
         </p:txBody>
       </p:sp>
